--- a/Capstone Presenation.pptx
+++ b/Capstone Presenation.pptx
@@ -12,9 +12,10 @@
     <p:sldId id="265" r:id="rId6"/>
     <p:sldId id="260" r:id="rId7"/>
     <p:sldId id="261" r:id="rId8"/>
-    <p:sldId id="262" r:id="rId9"/>
-    <p:sldId id="263" r:id="rId10"/>
-    <p:sldId id="264" r:id="rId11"/>
+    <p:sldId id="266" r:id="rId9"/>
+    <p:sldId id="262" r:id="rId10"/>
+    <p:sldId id="263" r:id="rId11"/>
+    <p:sldId id="264" r:id="rId12"/>
   </p:sldIdLst>
   <p:sldSz cx="12192000" cy="6858000"/>
   <p:notesSz cx="6858000" cy="9144000"/>
@@ -6100,6 +6101,119 @@
           <p:cNvPr id="2" name="Title 1">
             <a:extLst>
               <a:ext uri="{FF2B5EF4-FFF2-40B4-BE49-F238E27FC236}">
+                <a16:creationId xmlns:a16="http://schemas.microsoft.com/office/drawing/2014/main" id="{B370F627-9736-944A-A785-AB1FEAAF4182}"/>
+              </a:ext>
+            </a:extLst>
+          </p:cNvPr>
+          <p:cNvSpPr>
+            <a:spLocks noGrp="1"/>
+          </p:cNvSpPr>
+          <p:nvPr>
+            <p:ph type="title"/>
+          </p:nvPr>
+        </p:nvSpPr>
+        <p:spPr/>
+        <p:txBody>
+          <a:bodyPr/>
+          <a:lstStyle/>
+          <a:p>
+            <a:r>
+              <a:rPr lang="en-US" dirty="0"/>
+              <a:t>Limitation Faced with the free </a:t>
+            </a:r>
+            <a:r>
+              <a:rPr lang="en-US" dirty="0" err="1"/>
+              <a:t>FourSquare</a:t>
+            </a:r>
+            <a:r>
+              <a:rPr lang="en-US" dirty="0"/>
+              <a:t> account</a:t>
+            </a:r>
+          </a:p>
+        </p:txBody>
+      </p:sp>
+      <p:sp>
+        <p:nvSpPr>
+          <p:cNvPr id="3" name="Content Placeholder 2">
+            <a:extLst>
+              <a:ext uri="{FF2B5EF4-FFF2-40B4-BE49-F238E27FC236}">
+                <a16:creationId xmlns:a16="http://schemas.microsoft.com/office/drawing/2014/main" id="{05C6E00D-3EB4-5341-8F2B-4729819FE9E9}"/>
+              </a:ext>
+            </a:extLst>
+          </p:cNvPr>
+          <p:cNvSpPr>
+            <a:spLocks noGrp="1"/>
+          </p:cNvSpPr>
+          <p:nvPr>
+            <p:ph idx="1"/>
+          </p:nvPr>
+        </p:nvSpPr>
+        <p:spPr/>
+        <p:txBody>
+          <a:bodyPr/>
+          <a:lstStyle/>
+          <a:p>
+            <a:r>
+              <a:rPr lang="en-US" dirty="0"/>
+              <a:t>The explore API only returned 100 venues</a:t>
+            </a:r>
+          </a:p>
+          <a:p>
+            <a:r>
+              <a:rPr lang="en-US" dirty="0"/>
+              <a:t>Information like visits count are also</a:t>
+            </a:r>
+          </a:p>
+          <a:p>
+            <a:r>
+              <a:rPr lang="en-US" dirty="0"/>
+              <a:t>Only 50 calls per day to get the details of a venue</a:t>
+            </a:r>
+          </a:p>
+          <a:p>
+            <a:pPr lvl="1"/>
+            <a:r>
+              <a:rPr lang="en-US" dirty="0"/>
+              <a:t>To work around this limitation the intermediate result is stored in csv so the result can be used for the rest of the day</a:t>
+            </a:r>
+          </a:p>
+        </p:txBody>
+      </p:sp>
+    </p:spTree>
+    <p:extLst>
+      <p:ext uri="{BB962C8B-B14F-4D97-AF65-F5344CB8AC3E}">
+        <p14:creationId xmlns:p14="http://schemas.microsoft.com/office/powerpoint/2010/main" val="2276552463"/>
+      </p:ext>
+    </p:extLst>
+  </p:cSld>
+  <p:clrMapOvr>
+    <a:masterClrMapping/>
+  </p:clrMapOvr>
+</p:sld>
+</file>
+
+<file path=ppt/slides/slide11.xml><?xml version="1.0" encoding="utf-8"?>
+<p:sld xmlns:a="http://schemas.openxmlformats.org/drawingml/2006/main" xmlns:r="http://schemas.openxmlformats.org/officeDocument/2006/relationships" xmlns:p="http://schemas.openxmlformats.org/presentationml/2006/main">
+  <p:cSld>
+    <p:spTree>
+      <p:nvGrpSpPr>
+        <p:cNvPr id="1" name=""/>
+        <p:cNvGrpSpPr/>
+        <p:nvPr/>
+      </p:nvGrpSpPr>
+      <p:grpSpPr>
+        <a:xfrm>
+          <a:off x="0" y="0"/>
+          <a:ext cx="0" cy="0"/>
+          <a:chOff x="0" y="0"/>
+          <a:chExt cx="0" cy="0"/>
+        </a:xfrm>
+      </p:grpSpPr>
+      <p:sp>
+        <p:nvSpPr>
+          <p:cNvPr id="2" name="Title 1">
+            <a:extLst>
+              <a:ext uri="{FF2B5EF4-FFF2-40B4-BE49-F238E27FC236}">
                 <a16:creationId xmlns:a16="http://schemas.microsoft.com/office/drawing/2014/main" id="{A54CE1FD-9801-A940-8F5A-2B8C4A4506C3}"/>
               </a:ext>
             </a:extLst>
@@ -6932,6 +7046,97 @@
 </file>
 
 <file path=ppt/slides/slide8.xml><?xml version="1.0" encoding="utf-8"?>
+<p:sld xmlns:a="http://schemas.openxmlformats.org/drawingml/2006/main" xmlns:r="http://schemas.openxmlformats.org/officeDocument/2006/relationships" xmlns:p="http://schemas.openxmlformats.org/presentationml/2006/main">
+  <p:cSld>
+    <p:spTree>
+      <p:nvGrpSpPr>
+        <p:cNvPr id="1" name=""/>
+        <p:cNvGrpSpPr/>
+        <p:nvPr/>
+      </p:nvGrpSpPr>
+      <p:grpSpPr>
+        <a:xfrm>
+          <a:off x="0" y="0"/>
+          <a:ext cx="0" cy="0"/>
+          <a:chOff x="0" y="0"/>
+          <a:chExt cx="0" cy="0"/>
+        </a:xfrm>
+      </p:grpSpPr>
+      <p:sp>
+        <p:nvSpPr>
+          <p:cNvPr id="2" name="Title 1">
+            <a:extLst>
+              <a:ext uri="{FF2B5EF4-FFF2-40B4-BE49-F238E27FC236}">
+                <a16:creationId xmlns:a16="http://schemas.microsoft.com/office/drawing/2014/main" id="{7D7BA91A-76BC-4F49-BF09-FF3D78C04A4C}"/>
+              </a:ext>
+            </a:extLst>
+          </p:cNvPr>
+          <p:cNvSpPr>
+            <a:spLocks noGrp="1"/>
+          </p:cNvSpPr>
+          <p:nvPr>
+            <p:ph type="title"/>
+          </p:nvPr>
+        </p:nvSpPr>
+        <p:spPr/>
+        <p:txBody>
+          <a:bodyPr/>
+          <a:lstStyle/>
+          <a:p>
+            <a:r>
+              <a:rPr lang="en-US" dirty="0"/>
+              <a:t>Clustered Result</a:t>
+            </a:r>
+            <a:br>
+              <a:rPr lang="en-US" dirty="0"/>
+            </a:br>
+            <a:endParaRPr lang="en-US" dirty="0"/>
+          </a:p>
+        </p:txBody>
+      </p:sp>
+      <p:pic>
+        <p:nvPicPr>
+          <p:cNvPr id="5" name="Content Placeholder 4" descr="A close up of a map&#10;&#10;Description automatically generated">
+            <a:extLst>
+              <a:ext uri="{FF2B5EF4-FFF2-40B4-BE49-F238E27FC236}">
+                <a16:creationId xmlns:a16="http://schemas.microsoft.com/office/drawing/2014/main" id="{27F6B261-87C5-3847-89F5-9DC270E45601}"/>
+              </a:ext>
+            </a:extLst>
+          </p:cNvPr>
+          <p:cNvPicPr>
+            <a:picLocks noGrp="1" noChangeAspect="1"/>
+          </p:cNvPicPr>
+          <p:nvPr>
+            <p:ph idx="1"/>
+          </p:nvPr>
+        </p:nvPicPr>
+        <p:blipFill>
+          <a:blip r:embed="rId2"/>
+          <a:stretch>
+            <a:fillRect/>
+          </a:stretch>
+        </p:blipFill>
+        <p:spPr>
+          <a:xfrm>
+            <a:off x="1581368" y="2052638"/>
+            <a:ext cx="7991040" cy="4195762"/>
+          </a:xfrm>
+        </p:spPr>
+      </p:pic>
+    </p:spTree>
+    <p:extLst>
+      <p:ext uri="{BB962C8B-B14F-4D97-AF65-F5344CB8AC3E}">
+        <p14:creationId xmlns:p14="http://schemas.microsoft.com/office/powerpoint/2010/main" val="957133522"/>
+      </p:ext>
+    </p:extLst>
+  </p:cSld>
+  <p:clrMapOvr>
+    <a:masterClrMapping/>
+  </p:clrMapOvr>
+</p:sld>
+</file>
+
+<file path=ppt/slides/slide9.xml><?xml version="1.0" encoding="utf-8"?>
 <p:sld xmlns:a="http://schemas.openxmlformats.org/drawingml/2006/main" xmlns:r="http://schemas.openxmlformats.org/officeDocument/2006/relationships" xmlns:p="http://schemas.openxmlformats.org/presentationml/2006/main">
   <p:cSld>
     <p:spTree>
@@ -9429,119 +9634,6 @@
     <p:extLst>
       <p:ext uri="{BB962C8B-B14F-4D97-AF65-F5344CB8AC3E}">
         <p14:creationId xmlns:p14="http://schemas.microsoft.com/office/powerpoint/2010/main" val="4044874155"/>
-      </p:ext>
-    </p:extLst>
-  </p:cSld>
-  <p:clrMapOvr>
-    <a:masterClrMapping/>
-  </p:clrMapOvr>
-</p:sld>
-</file>
-
-<file path=ppt/slides/slide9.xml><?xml version="1.0" encoding="utf-8"?>
-<p:sld xmlns:a="http://schemas.openxmlformats.org/drawingml/2006/main" xmlns:r="http://schemas.openxmlformats.org/officeDocument/2006/relationships" xmlns:p="http://schemas.openxmlformats.org/presentationml/2006/main">
-  <p:cSld>
-    <p:spTree>
-      <p:nvGrpSpPr>
-        <p:cNvPr id="1" name=""/>
-        <p:cNvGrpSpPr/>
-        <p:nvPr/>
-      </p:nvGrpSpPr>
-      <p:grpSpPr>
-        <a:xfrm>
-          <a:off x="0" y="0"/>
-          <a:ext cx="0" cy="0"/>
-          <a:chOff x="0" y="0"/>
-          <a:chExt cx="0" cy="0"/>
-        </a:xfrm>
-      </p:grpSpPr>
-      <p:sp>
-        <p:nvSpPr>
-          <p:cNvPr id="2" name="Title 1">
-            <a:extLst>
-              <a:ext uri="{FF2B5EF4-FFF2-40B4-BE49-F238E27FC236}">
-                <a16:creationId xmlns:a16="http://schemas.microsoft.com/office/drawing/2014/main" id="{B370F627-9736-944A-A785-AB1FEAAF4182}"/>
-              </a:ext>
-            </a:extLst>
-          </p:cNvPr>
-          <p:cNvSpPr>
-            <a:spLocks noGrp="1"/>
-          </p:cNvSpPr>
-          <p:nvPr>
-            <p:ph type="title"/>
-          </p:nvPr>
-        </p:nvSpPr>
-        <p:spPr/>
-        <p:txBody>
-          <a:bodyPr/>
-          <a:lstStyle/>
-          <a:p>
-            <a:r>
-              <a:rPr lang="en-US" dirty="0"/>
-              <a:t>Limitation Faced with the free </a:t>
-            </a:r>
-            <a:r>
-              <a:rPr lang="en-US" dirty="0" err="1"/>
-              <a:t>FourSquare</a:t>
-            </a:r>
-            <a:r>
-              <a:rPr lang="en-US" dirty="0"/>
-              <a:t> account</a:t>
-            </a:r>
-          </a:p>
-        </p:txBody>
-      </p:sp>
-      <p:sp>
-        <p:nvSpPr>
-          <p:cNvPr id="3" name="Content Placeholder 2">
-            <a:extLst>
-              <a:ext uri="{FF2B5EF4-FFF2-40B4-BE49-F238E27FC236}">
-                <a16:creationId xmlns:a16="http://schemas.microsoft.com/office/drawing/2014/main" id="{05C6E00D-3EB4-5341-8F2B-4729819FE9E9}"/>
-              </a:ext>
-            </a:extLst>
-          </p:cNvPr>
-          <p:cNvSpPr>
-            <a:spLocks noGrp="1"/>
-          </p:cNvSpPr>
-          <p:nvPr>
-            <p:ph idx="1"/>
-          </p:nvPr>
-        </p:nvSpPr>
-        <p:spPr/>
-        <p:txBody>
-          <a:bodyPr/>
-          <a:lstStyle/>
-          <a:p>
-            <a:r>
-              <a:rPr lang="en-US" dirty="0"/>
-              <a:t>The explore API only returned 100 venues</a:t>
-            </a:r>
-          </a:p>
-          <a:p>
-            <a:r>
-              <a:rPr lang="en-US" dirty="0"/>
-              <a:t>Information like visits count are also</a:t>
-            </a:r>
-          </a:p>
-          <a:p>
-            <a:r>
-              <a:rPr lang="en-US" dirty="0"/>
-              <a:t>Only 50 calls per day to get the details of a venue</a:t>
-            </a:r>
-          </a:p>
-          <a:p>
-            <a:pPr lvl="1"/>
-            <a:r>
-              <a:rPr lang="en-US" dirty="0"/>
-              <a:t>To work around this limitation the intermediate result is stored in csv so the result can be used for the rest of the day</a:t>
-            </a:r>
-          </a:p>
-        </p:txBody>
-      </p:sp>
-    </p:spTree>
-    <p:extLst>
-      <p:ext uri="{BB962C8B-B14F-4D97-AF65-F5344CB8AC3E}">
-        <p14:creationId xmlns:p14="http://schemas.microsoft.com/office/powerpoint/2010/main" val="2276552463"/>
       </p:ext>
     </p:extLst>
   </p:cSld>
